--- a/Abbildungen/wtfi_4_zufallsvariable_messen.pptx
+++ b/Abbildungen/wtfi_4_zufallsvariable_messen.pptx
@@ -1864,7 +1864,7 @@
           <a:p>
             <a:fld id="{2B41A6A7-50F4-463B-910E-CFAB06BEAEBD}" type="datetimeFigureOut">
               <a:rPr lang="de-DE" smtClean="0"/>
-              <a:t>03.11.2021</a:t>
+              <a:t>30.10.2022</a:t>
             </a:fld>
             <a:endParaRPr lang="de-DE"/>
           </a:p>
@@ -1906,7 +1906,7 @@
           <a:p>
             <a:fld id="{21F71EA9-8F64-41D2-B146-948977218CCE}" type="slidenum">
               <a:rPr lang="de-DE" smtClean="0"/>
-              <a:t>‹#›</a:t>
+              <a:t>‹Nr.›</a:t>
             </a:fld>
             <a:endParaRPr lang="de-DE"/>
           </a:p>
@@ -2034,7 +2034,7 @@
           <a:p>
             <a:fld id="{2B41A6A7-50F4-463B-910E-CFAB06BEAEBD}" type="datetimeFigureOut">
               <a:rPr lang="de-DE" smtClean="0"/>
-              <a:t>03.11.2021</a:t>
+              <a:t>30.10.2022</a:t>
             </a:fld>
             <a:endParaRPr lang="de-DE"/>
           </a:p>
@@ -2076,7 +2076,7 @@
           <a:p>
             <a:fld id="{21F71EA9-8F64-41D2-B146-948977218CCE}" type="slidenum">
               <a:rPr lang="de-DE" smtClean="0"/>
-              <a:t>‹#›</a:t>
+              <a:t>‹Nr.›</a:t>
             </a:fld>
             <a:endParaRPr lang="de-DE"/>
           </a:p>
@@ -2214,7 +2214,7 @@
           <a:p>
             <a:fld id="{2B41A6A7-50F4-463B-910E-CFAB06BEAEBD}" type="datetimeFigureOut">
               <a:rPr lang="de-DE" smtClean="0"/>
-              <a:t>03.11.2021</a:t>
+              <a:t>30.10.2022</a:t>
             </a:fld>
             <a:endParaRPr lang="de-DE"/>
           </a:p>
@@ -2256,7 +2256,7 @@
           <a:p>
             <a:fld id="{21F71EA9-8F64-41D2-B146-948977218CCE}" type="slidenum">
               <a:rPr lang="de-DE" smtClean="0"/>
-              <a:t>‹#›</a:t>
+              <a:t>‹Nr.›</a:t>
             </a:fld>
             <a:endParaRPr lang="de-DE"/>
           </a:p>
@@ -2384,7 +2384,7 @@
           <a:p>
             <a:fld id="{2B41A6A7-50F4-463B-910E-CFAB06BEAEBD}" type="datetimeFigureOut">
               <a:rPr lang="de-DE" smtClean="0"/>
-              <a:t>03.11.2021</a:t>
+              <a:t>30.10.2022</a:t>
             </a:fld>
             <a:endParaRPr lang="de-DE"/>
           </a:p>
@@ -2426,7 +2426,7 @@
           <a:p>
             <a:fld id="{21F71EA9-8F64-41D2-B146-948977218CCE}" type="slidenum">
               <a:rPr lang="de-DE" smtClean="0"/>
-              <a:t>‹#›</a:t>
+              <a:t>‹Nr.›</a:t>
             </a:fld>
             <a:endParaRPr lang="de-DE"/>
           </a:p>
@@ -2628,7 +2628,7 @@
           <a:p>
             <a:fld id="{2B41A6A7-50F4-463B-910E-CFAB06BEAEBD}" type="datetimeFigureOut">
               <a:rPr lang="de-DE" smtClean="0"/>
-              <a:t>03.11.2021</a:t>
+              <a:t>30.10.2022</a:t>
             </a:fld>
             <a:endParaRPr lang="de-DE"/>
           </a:p>
@@ -2670,7 +2670,7 @@
           <a:p>
             <a:fld id="{21F71EA9-8F64-41D2-B146-948977218CCE}" type="slidenum">
               <a:rPr lang="de-DE" smtClean="0"/>
-              <a:t>‹#›</a:t>
+              <a:t>‹Nr.›</a:t>
             </a:fld>
             <a:endParaRPr lang="de-DE"/>
           </a:p>
@@ -2860,7 +2860,7 @@
           <a:p>
             <a:fld id="{2B41A6A7-50F4-463B-910E-CFAB06BEAEBD}" type="datetimeFigureOut">
               <a:rPr lang="de-DE" smtClean="0"/>
-              <a:t>03.11.2021</a:t>
+              <a:t>30.10.2022</a:t>
             </a:fld>
             <a:endParaRPr lang="de-DE"/>
           </a:p>
@@ -2902,7 +2902,7 @@
           <a:p>
             <a:fld id="{21F71EA9-8F64-41D2-B146-948977218CCE}" type="slidenum">
               <a:rPr lang="de-DE" smtClean="0"/>
-              <a:t>‹#›</a:t>
+              <a:t>‹Nr.›</a:t>
             </a:fld>
             <a:endParaRPr lang="de-DE"/>
           </a:p>
@@ -3227,7 +3227,7 @@
           <a:p>
             <a:fld id="{2B41A6A7-50F4-463B-910E-CFAB06BEAEBD}" type="datetimeFigureOut">
               <a:rPr lang="de-DE" smtClean="0"/>
-              <a:t>03.11.2021</a:t>
+              <a:t>30.10.2022</a:t>
             </a:fld>
             <a:endParaRPr lang="de-DE"/>
           </a:p>
@@ -3269,7 +3269,7 @@
           <a:p>
             <a:fld id="{21F71EA9-8F64-41D2-B146-948977218CCE}" type="slidenum">
               <a:rPr lang="de-DE" smtClean="0"/>
-              <a:t>‹#›</a:t>
+              <a:t>‹Nr.›</a:t>
             </a:fld>
             <a:endParaRPr lang="de-DE"/>
           </a:p>
@@ -3345,7 +3345,7 @@
           <a:p>
             <a:fld id="{2B41A6A7-50F4-463B-910E-CFAB06BEAEBD}" type="datetimeFigureOut">
               <a:rPr lang="de-DE" smtClean="0"/>
-              <a:t>03.11.2021</a:t>
+              <a:t>30.10.2022</a:t>
             </a:fld>
             <a:endParaRPr lang="de-DE"/>
           </a:p>
@@ -3387,7 +3387,7 @@
           <a:p>
             <a:fld id="{21F71EA9-8F64-41D2-B146-948977218CCE}" type="slidenum">
               <a:rPr lang="de-DE" smtClean="0"/>
-              <a:t>‹#›</a:t>
+              <a:t>‹Nr.›</a:t>
             </a:fld>
             <a:endParaRPr lang="de-DE"/>
           </a:p>
@@ -3440,7 +3440,7 @@
           <a:p>
             <a:fld id="{2B41A6A7-50F4-463B-910E-CFAB06BEAEBD}" type="datetimeFigureOut">
               <a:rPr lang="de-DE" smtClean="0"/>
-              <a:t>03.11.2021</a:t>
+              <a:t>30.10.2022</a:t>
             </a:fld>
             <a:endParaRPr lang="de-DE"/>
           </a:p>
@@ -3482,7 +3482,7 @@
           <a:p>
             <a:fld id="{21F71EA9-8F64-41D2-B146-948977218CCE}" type="slidenum">
               <a:rPr lang="de-DE" smtClean="0"/>
-              <a:t>‹#›</a:t>
+              <a:t>‹Nr.›</a:t>
             </a:fld>
             <a:endParaRPr lang="de-DE"/>
           </a:p>
@@ -3717,7 +3717,7 @@
           <a:p>
             <a:fld id="{2B41A6A7-50F4-463B-910E-CFAB06BEAEBD}" type="datetimeFigureOut">
               <a:rPr lang="de-DE" smtClean="0"/>
-              <a:t>03.11.2021</a:t>
+              <a:t>30.10.2022</a:t>
             </a:fld>
             <a:endParaRPr lang="de-DE"/>
           </a:p>
@@ -3759,7 +3759,7 @@
           <a:p>
             <a:fld id="{21F71EA9-8F64-41D2-B146-948977218CCE}" type="slidenum">
               <a:rPr lang="de-DE" smtClean="0"/>
-              <a:t>‹#›</a:t>
+              <a:t>‹Nr.›</a:t>
             </a:fld>
             <a:endParaRPr lang="de-DE"/>
           </a:p>
@@ -3974,7 +3974,7 @@
           <a:p>
             <a:fld id="{2B41A6A7-50F4-463B-910E-CFAB06BEAEBD}" type="datetimeFigureOut">
               <a:rPr lang="de-DE" smtClean="0"/>
-              <a:t>03.11.2021</a:t>
+              <a:t>30.10.2022</a:t>
             </a:fld>
             <a:endParaRPr lang="de-DE"/>
           </a:p>
@@ -4016,7 +4016,7 @@
           <a:p>
             <a:fld id="{21F71EA9-8F64-41D2-B146-948977218CCE}" type="slidenum">
               <a:rPr lang="de-DE" smtClean="0"/>
-              <a:t>‹#›</a:t>
+              <a:t>‹Nr.›</a:t>
             </a:fld>
             <a:endParaRPr lang="de-DE"/>
           </a:p>
@@ -4187,7 +4187,7 @@
           <a:p>
             <a:fld id="{2B41A6A7-50F4-463B-910E-CFAB06BEAEBD}" type="datetimeFigureOut">
               <a:rPr lang="de-DE" smtClean="0"/>
-              <a:t>03.11.2021</a:t>
+              <a:t>30.10.2022</a:t>
             </a:fld>
             <a:endParaRPr lang="de-DE"/>
           </a:p>
@@ -4265,7 +4265,7 @@
           <a:p>
             <a:fld id="{21F71EA9-8F64-41D2-B146-948977218CCE}" type="slidenum">
               <a:rPr lang="de-DE" smtClean="0"/>
-              <a:t>‹#›</a:t>
+              <a:t>‹Nr.›</a:t>
             </a:fld>
             <a:endParaRPr lang="de-DE"/>
           </a:p>
@@ -4768,8 +4768,8 @@
             <a:chExt cx="7284899" cy="1357927"/>
           </a:xfrm>
         </p:grpSpPr>
-        <mc:AlternateContent xmlns:mc="http://schemas.openxmlformats.org/markup-compatibility/2006">
-          <mc:Choice xmlns:a14="http://schemas.microsoft.com/office/drawing/2010/main" Requires="a14">
+        <mc:AlternateContent xmlns:mc="http://schemas.openxmlformats.org/markup-compatibility/2006" xmlns:a14="http://schemas.microsoft.com/office/drawing/2010/main">
+          <mc:Choice Requires="a14">
             <p:sp>
               <p:nvSpPr>
                 <p:cNvPr id="4" name="Textfeld 3">
@@ -4838,7 +4838,7 @@
               </p:txBody>
             </p:sp>
           </mc:Choice>
-          <mc:Fallback>
+          <mc:Fallback xmlns="">
             <p:sp>
               <p:nvSpPr>
                 <p:cNvPr id="4" name="Textfeld 3">
@@ -4883,8 +4883,8 @@
             </p:sp>
           </mc:Fallback>
         </mc:AlternateContent>
-        <mc:AlternateContent xmlns:mc="http://schemas.openxmlformats.org/markup-compatibility/2006">
-          <mc:Choice xmlns:a14="http://schemas.microsoft.com/office/drawing/2010/main" Requires="a14">
+        <mc:AlternateContent xmlns:mc="http://schemas.openxmlformats.org/markup-compatibility/2006" xmlns:a14="http://schemas.microsoft.com/office/drawing/2010/main">
+          <mc:Choice Requires="a14">
             <p:sp>
               <p:nvSpPr>
                 <p:cNvPr id="25" name="Textfeld 24">
@@ -4938,7 +4938,7 @@
               </p:txBody>
             </p:sp>
           </mc:Choice>
-          <mc:Fallback>
+          <mc:Fallback xmlns="">
             <p:sp>
               <p:nvSpPr>
                 <p:cNvPr id="25" name="Textfeld 24">
@@ -5000,7 +5000,7 @@
               <p:spPr>
                 <a:xfrm>
                   <a:off x="7013238" y="738074"/>
-                  <a:ext cx="595804" cy="276999"/>
+                  <a:ext cx="560730" cy="276999"/>
                 </a:xfrm>
                 <a:prstGeom prst="rect">
                   <a:avLst/>
@@ -5021,10 +5021,10 @@
                       </m:oMathParaPr>
                       <m:oMath xmlns:m="http://schemas.openxmlformats.org/officeDocument/2006/math">
                         <m:r>
-                          <a:rPr lang="de-DE" i="1">
+                          <a:rPr lang="de-DE" b="0" i="1" smtClean="0">
                             <a:latin typeface="Cambria Math" panose="02040503050406030204" pitchFamily="18" charset="0"/>
                           </a:rPr>
-                          <m:t>𝑋</m:t>
+                          <m:t>𝜉</m:t>
                         </m:r>
                         <m:r>
                           <a:rPr lang="de-DE" i="1">
@@ -5074,7 +5074,7 @@
               <p:spPr>
                 <a:xfrm>
                   <a:off x="7013238" y="738074"/>
-                  <a:ext cx="595804" cy="276999"/>
+                  <a:ext cx="560730" cy="276999"/>
                 </a:xfrm>
                 <a:prstGeom prst="rect">
                   <a:avLst/>
@@ -5082,7 +5082,7 @@
                 <a:blipFill>
                   <a:blip r:embed="rId4"/>
                   <a:stretch>
-                    <a:fillRect l="-7216" t="-6522" r="-13402" b="-28261"/>
+                    <a:fillRect l="-11957" t="-6522" r="-13043" b="-28261"/>
                   </a:stretch>
                 </a:blipFill>
               </p:spPr>
@@ -5906,7 +5906,7 @@
                 <p:spPr>
                   <a:xfrm>
                     <a:off x="5015687" y="1229268"/>
-                    <a:ext cx="441018" cy="400110"/>
+                    <a:ext cx="403059" cy="400110"/>
                   </a:xfrm>
                   <a:prstGeom prst="rect">
                     <a:avLst/>
@@ -5927,10 +5927,10 @@
                         </m:oMathParaPr>
                         <m:oMath xmlns:m="http://schemas.openxmlformats.org/officeDocument/2006/math">
                           <m:r>
-                            <a:rPr lang="de-DE" sz="2000" i="1" dirty="0">
+                            <a:rPr lang="de-DE" sz="2000" b="0" i="1" dirty="0" smtClean="0">
                               <a:latin typeface="Cambria Math" panose="02040503050406030204" pitchFamily="18" charset="0"/>
                             </a:rPr>
-                            <m:t>𝑋</m:t>
+                            <m:t>𝜉</m:t>
                           </m:r>
                         </m:oMath>
                       </m:oMathPara>
@@ -5962,7 +5962,7 @@
                 <p:spPr>
                   <a:xfrm>
                     <a:off x="5015687" y="1229268"/>
-                    <a:ext cx="441018" cy="400110"/>
+                    <a:ext cx="403059" cy="400110"/>
                   </a:xfrm>
                   <a:prstGeom prst="rect">
                     <a:avLst/>
@@ -5970,7 +5970,7 @@
                   <a:blipFill>
                     <a:blip r:embed="rId5"/>
                     <a:stretch>
-                      <a:fillRect/>
+                      <a:fillRect b="-10606"/>
                     </a:stretch>
                   </a:blipFill>
                 </p:spPr>
@@ -6033,8 +6033,8 @@
               </a:fontRef>
             </p:style>
           </p:cxnSp>
-          <mc:AlternateContent xmlns:mc="http://schemas.openxmlformats.org/markup-compatibility/2006">
-            <mc:Choice xmlns:a14="http://schemas.microsoft.com/office/drawing/2010/main" Requires="a14">
+          <mc:AlternateContent xmlns:mc="http://schemas.openxmlformats.org/markup-compatibility/2006" xmlns:a14="http://schemas.microsoft.com/office/drawing/2010/main">
+            <mc:Choice Requires="a14">
               <p:sp>
                 <p:nvSpPr>
                   <p:cNvPr id="12" name="Textfeld 11">
@@ -6106,7 +6106,7 @@
                 </p:txBody>
               </p:sp>
             </mc:Choice>
-            <mc:Fallback>
+            <mc:Fallback xmlns="">
               <p:sp>
                 <p:nvSpPr>
                   <p:cNvPr id="12" name="Textfeld 11">
@@ -6151,8 +6151,8 @@
               </p:sp>
             </mc:Fallback>
           </mc:AlternateContent>
-          <mc:AlternateContent xmlns:mc="http://schemas.openxmlformats.org/markup-compatibility/2006">
-            <mc:Choice xmlns:a14="http://schemas.microsoft.com/office/drawing/2010/main" Requires="a14">
+          <mc:AlternateContent xmlns:mc="http://schemas.openxmlformats.org/markup-compatibility/2006" xmlns:a14="http://schemas.microsoft.com/office/drawing/2010/main">
+            <mc:Choice Requires="a14">
               <p:sp>
                 <p:nvSpPr>
                   <p:cNvPr id="13" name="Textfeld 12">
@@ -6206,7 +6206,7 @@
                 </p:txBody>
               </p:sp>
             </mc:Choice>
-            <mc:Fallback>
+            <mc:Fallback xmlns="">
               <p:sp>
                 <p:nvSpPr>
                   <p:cNvPr id="13" name="Textfeld 12">
@@ -6312,8 +6312,8 @@
             <a:chExt cx="7284899" cy="1357927"/>
           </a:xfrm>
         </p:grpSpPr>
-        <mc:AlternateContent xmlns:mc="http://schemas.openxmlformats.org/markup-compatibility/2006">
-          <mc:Choice xmlns:a14="http://schemas.microsoft.com/office/drawing/2010/main" Requires="a14">
+        <mc:AlternateContent xmlns:mc="http://schemas.openxmlformats.org/markup-compatibility/2006" xmlns:a14="http://schemas.microsoft.com/office/drawing/2010/main">
+          <mc:Choice Requires="a14">
             <p:sp>
               <p:nvSpPr>
                 <p:cNvPr id="131" name="Textfeld 130">
@@ -6382,7 +6382,7 @@
               </p:txBody>
             </p:sp>
           </mc:Choice>
-          <mc:Fallback>
+          <mc:Fallback xmlns="">
             <p:sp>
               <p:nvSpPr>
                 <p:cNvPr id="131" name="Textfeld 130">
@@ -6427,8 +6427,8 @@
             </p:sp>
           </mc:Fallback>
         </mc:AlternateContent>
-        <mc:AlternateContent xmlns:mc="http://schemas.openxmlformats.org/markup-compatibility/2006">
-          <mc:Choice xmlns:a14="http://schemas.microsoft.com/office/drawing/2010/main" Requires="a14">
+        <mc:AlternateContent xmlns:mc="http://schemas.openxmlformats.org/markup-compatibility/2006" xmlns:a14="http://schemas.microsoft.com/office/drawing/2010/main">
+          <mc:Choice Requires="a14">
             <p:sp>
               <p:nvSpPr>
                 <p:cNvPr id="132" name="Textfeld 131">
@@ -6482,7 +6482,7 @@
               </p:txBody>
             </p:sp>
           </mc:Choice>
-          <mc:Fallback>
+          <mc:Fallback xmlns="">
             <p:sp>
               <p:nvSpPr>
                 <p:cNvPr id="132" name="Textfeld 131">
@@ -6544,7 +6544,7 @@
               <p:spPr>
                 <a:xfrm>
                   <a:off x="7013238" y="738074"/>
-                  <a:ext cx="595804" cy="276999"/>
+                  <a:ext cx="560730" cy="276999"/>
                 </a:xfrm>
                 <a:prstGeom prst="rect">
                   <a:avLst/>
@@ -6565,10 +6565,10 @@
                       </m:oMathParaPr>
                       <m:oMath xmlns:m="http://schemas.openxmlformats.org/officeDocument/2006/math">
                         <m:r>
-                          <a:rPr lang="de-DE" i="1">
+                          <a:rPr lang="de-DE" b="0" i="1" smtClean="0">
                             <a:latin typeface="Cambria Math" panose="02040503050406030204" pitchFamily="18" charset="0"/>
                           </a:rPr>
-                          <m:t>𝑋</m:t>
+                          <m:t>𝜉</m:t>
                         </m:r>
                         <m:r>
                           <a:rPr lang="de-DE" i="1">
@@ -6618,7 +6618,7 @@
               <p:spPr>
                 <a:xfrm>
                   <a:off x="7013238" y="738074"/>
-                  <a:ext cx="595804" cy="276999"/>
+                  <a:ext cx="560730" cy="276999"/>
                 </a:xfrm>
                 <a:prstGeom prst="rect">
                   <a:avLst/>
@@ -6626,7 +6626,7 @@
                 <a:blipFill>
                   <a:blip r:embed="rId10"/>
                   <a:stretch>
-                    <a:fillRect l="-7216" t="-6522" r="-13402" b="-28261"/>
+                    <a:fillRect l="-11957" t="-6522" r="-13043" b="-28261"/>
                   </a:stretch>
                 </a:blipFill>
               </p:spPr>
@@ -7446,7 +7446,7 @@
                 <p:spPr>
                   <a:xfrm>
                     <a:off x="5015687" y="1229268"/>
-                    <a:ext cx="441018" cy="400110"/>
+                    <a:ext cx="403059" cy="400110"/>
                   </a:xfrm>
                   <a:prstGeom prst="rect">
                     <a:avLst/>
@@ -7467,10 +7467,10 @@
                         </m:oMathParaPr>
                         <m:oMath xmlns:m="http://schemas.openxmlformats.org/officeDocument/2006/math">
                           <m:r>
-                            <a:rPr lang="de-DE" sz="2000" i="1" dirty="0">
+                            <a:rPr lang="de-DE" sz="2000" b="0" i="1" dirty="0" smtClean="0">
                               <a:latin typeface="Cambria Math" panose="02040503050406030204" pitchFamily="18" charset="0"/>
                             </a:rPr>
-                            <m:t>𝑋</m:t>
+                            <m:t>𝜉</m:t>
                           </m:r>
                         </m:oMath>
                       </m:oMathPara>
@@ -7502,7 +7502,7 @@
                 <p:spPr>
                   <a:xfrm>
                     <a:off x="5015687" y="1229268"/>
-                    <a:ext cx="441018" cy="400110"/>
+                    <a:ext cx="403059" cy="400110"/>
                   </a:xfrm>
                   <a:prstGeom prst="rect">
                     <a:avLst/>
@@ -7510,7 +7510,7 @@
                   <a:blipFill>
                     <a:blip r:embed="rId11"/>
                     <a:stretch>
-                      <a:fillRect/>
+                      <a:fillRect b="-10606"/>
                     </a:stretch>
                   </a:blipFill>
                 </p:spPr>
@@ -7573,8 +7573,8 @@
               </a:fontRef>
             </p:style>
           </p:cxnSp>
-          <mc:AlternateContent xmlns:mc="http://schemas.openxmlformats.org/markup-compatibility/2006">
-            <mc:Choice xmlns:a14="http://schemas.microsoft.com/office/drawing/2010/main" Requires="a14">
+          <mc:AlternateContent xmlns:mc="http://schemas.openxmlformats.org/markup-compatibility/2006" xmlns:a14="http://schemas.microsoft.com/office/drawing/2010/main">
+            <mc:Choice Requires="a14">
               <p:sp>
                 <p:nvSpPr>
                   <p:cNvPr id="142" name="Textfeld 141">
@@ -7646,7 +7646,7 @@
                 </p:txBody>
               </p:sp>
             </mc:Choice>
-            <mc:Fallback>
+            <mc:Fallback xmlns="">
               <p:sp>
                 <p:nvSpPr>
                   <p:cNvPr id="142" name="Textfeld 141">
@@ -7691,8 +7691,8 @@
               </p:sp>
             </mc:Fallback>
           </mc:AlternateContent>
-          <mc:AlternateContent xmlns:mc="http://schemas.openxmlformats.org/markup-compatibility/2006">
-            <mc:Choice xmlns:a14="http://schemas.microsoft.com/office/drawing/2010/main" Requires="a14">
+          <mc:AlternateContent xmlns:mc="http://schemas.openxmlformats.org/markup-compatibility/2006" xmlns:a14="http://schemas.microsoft.com/office/drawing/2010/main">
+            <mc:Choice Requires="a14">
               <p:sp>
                 <p:nvSpPr>
                   <p:cNvPr id="143" name="Textfeld 142">
@@ -7746,7 +7746,7 @@
                 </p:txBody>
               </p:sp>
             </mc:Choice>
-            <mc:Fallback>
+            <mc:Fallback xmlns="">
               <p:sp>
                 <p:nvSpPr>
                   <p:cNvPr id="143" name="Textfeld 142">
@@ -7852,8 +7852,8 @@
             <a:chExt cx="7284899" cy="1357927"/>
           </a:xfrm>
         </p:grpSpPr>
-        <mc:AlternateContent xmlns:mc="http://schemas.openxmlformats.org/markup-compatibility/2006">
-          <mc:Choice xmlns:a14="http://schemas.microsoft.com/office/drawing/2010/main" Requires="a14">
+        <mc:AlternateContent xmlns:mc="http://schemas.openxmlformats.org/markup-compatibility/2006" xmlns:a14="http://schemas.microsoft.com/office/drawing/2010/main">
+          <mc:Choice Requires="a14">
             <p:sp>
               <p:nvSpPr>
                 <p:cNvPr id="157" name="Textfeld 156">
@@ -7922,7 +7922,7 @@
               </p:txBody>
             </p:sp>
           </mc:Choice>
-          <mc:Fallback>
+          <mc:Fallback xmlns="">
             <p:sp>
               <p:nvSpPr>
                 <p:cNvPr id="157" name="Textfeld 156">
@@ -7967,8 +7967,8 @@
             </p:sp>
           </mc:Fallback>
         </mc:AlternateContent>
-        <mc:AlternateContent xmlns:mc="http://schemas.openxmlformats.org/markup-compatibility/2006">
-          <mc:Choice xmlns:a14="http://schemas.microsoft.com/office/drawing/2010/main" Requires="a14">
+        <mc:AlternateContent xmlns:mc="http://schemas.openxmlformats.org/markup-compatibility/2006" xmlns:a14="http://schemas.microsoft.com/office/drawing/2010/main">
+          <mc:Choice Requires="a14">
             <p:sp>
               <p:nvSpPr>
                 <p:cNvPr id="158" name="Textfeld 157">
@@ -8022,7 +8022,7 @@
               </p:txBody>
             </p:sp>
           </mc:Choice>
-          <mc:Fallback>
+          <mc:Fallback xmlns="">
             <p:sp>
               <p:nvSpPr>
                 <p:cNvPr id="158" name="Textfeld 157">
@@ -8084,7 +8084,7 @@
               <p:spPr>
                 <a:xfrm>
                   <a:off x="7013238" y="738074"/>
-                  <a:ext cx="595804" cy="276999"/>
+                  <a:ext cx="560730" cy="276999"/>
                 </a:xfrm>
                 <a:prstGeom prst="rect">
                   <a:avLst/>
@@ -8105,10 +8105,10 @@
                       </m:oMathParaPr>
                       <m:oMath xmlns:m="http://schemas.openxmlformats.org/officeDocument/2006/math">
                         <m:r>
-                          <a:rPr lang="de-DE" i="1">
+                          <a:rPr lang="de-DE" b="0" i="1" smtClean="0">
                             <a:latin typeface="Cambria Math" panose="02040503050406030204" pitchFamily="18" charset="0"/>
                           </a:rPr>
-                          <m:t>𝑋</m:t>
+                          <m:t>𝜉</m:t>
                         </m:r>
                         <m:r>
                           <a:rPr lang="de-DE" i="1">
@@ -8158,7 +8158,7 @@
               <p:spPr>
                 <a:xfrm>
                   <a:off x="7013238" y="738074"/>
-                  <a:ext cx="595804" cy="276999"/>
+                  <a:ext cx="560730" cy="276999"/>
                 </a:xfrm>
                 <a:prstGeom prst="rect">
                   <a:avLst/>
@@ -8166,7 +8166,7 @@
                 <a:blipFill>
                   <a:blip r:embed="rId16"/>
                   <a:stretch>
-                    <a:fillRect l="-7216" t="-6522" r="-13402" b="-28261"/>
+                    <a:fillRect l="-11957" t="-6522" r="-13043" b="-28261"/>
                   </a:stretch>
                 </a:blipFill>
               </p:spPr>
@@ -8990,7 +8990,7 @@
                 <p:spPr>
                   <a:xfrm>
                     <a:off x="5015687" y="1229268"/>
-                    <a:ext cx="441018" cy="400110"/>
+                    <a:ext cx="403059" cy="400110"/>
                   </a:xfrm>
                   <a:prstGeom prst="rect">
                     <a:avLst/>
@@ -9011,10 +9011,10 @@
                         </m:oMathParaPr>
                         <m:oMath xmlns:m="http://schemas.openxmlformats.org/officeDocument/2006/math">
                           <m:r>
-                            <a:rPr lang="de-DE" sz="2000" i="1" dirty="0">
+                            <a:rPr lang="de-DE" sz="2000" b="0" i="1" dirty="0" smtClean="0">
                               <a:latin typeface="Cambria Math" panose="02040503050406030204" pitchFamily="18" charset="0"/>
                             </a:rPr>
-                            <m:t>𝑋</m:t>
+                            <m:t>𝜉</m:t>
                           </m:r>
                         </m:oMath>
                       </m:oMathPara>
@@ -9046,7 +9046,7 @@
                 <p:spPr>
                   <a:xfrm>
                     <a:off x="5015687" y="1229268"/>
-                    <a:ext cx="441018" cy="400110"/>
+                    <a:ext cx="403059" cy="400110"/>
                   </a:xfrm>
                   <a:prstGeom prst="rect">
                     <a:avLst/>
@@ -9054,7 +9054,7 @@
                   <a:blipFill>
                     <a:blip r:embed="rId17"/>
                     <a:stretch>
-                      <a:fillRect/>
+                      <a:fillRect b="-12308"/>
                     </a:stretch>
                   </a:blipFill>
                 </p:spPr>
@@ -9117,8 +9117,8 @@
               </a:fontRef>
             </p:style>
           </p:cxnSp>
-          <mc:AlternateContent xmlns:mc="http://schemas.openxmlformats.org/markup-compatibility/2006">
-            <mc:Choice xmlns:a14="http://schemas.microsoft.com/office/drawing/2010/main" Requires="a14">
+          <mc:AlternateContent xmlns:mc="http://schemas.openxmlformats.org/markup-compatibility/2006" xmlns:a14="http://schemas.microsoft.com/office/drawing/2010/main">
+            <mc:Choice Requires="a14">
               <p:sp>
                 <p:nvSpPr>
                   <p:cNvPr id="168" name="Textfeld 167">
@@ -9190,7 +9190,7 @@
                 </p:txBody>
               </p:sp>
             </mc:Choice>
-            <mc:Fallback>
+            <mc:Fallback xmlns="">
               <p:sp>
                 <p:nvSpPr>
                   <p:cNvPr id="168" name="Textfeld 167">
@@ -9235,8 +9235,8 @@
               </p:sp>
             </mc:Fallback>
           </mc:AlternateContent>
-          <mc:AlternateContent xmlns:mc="http://schemas.openxmlformats.org/markup-compatibility/2006">
-            <mc:Choice xmlns:a14="http://schemas.microsoft.com/office/drawing/2010/main" Requires="a14">
+          <mc:AlternateContent xmlns:mc="http://schemas.openxmlformats.org/markup-compatibility/2006" xmlns:a14="http://schemas.microsoft.com/office/drawing/2010/main">
+            <mc:Choice Requires="a14">
               <p:sp>
                 <p:nvSpPr>
                   <p:cNvPr id="169" name="Textfeld 168">
@@ -9290,7 +9290,7 @@
                 </p:txBody>
               </p:sp>
             </mc:Choice>
-            <mc:Fallback>
+            <mc:Fallback xmlns="">
               <p:sp>
                 <p:nvSpPr>
                   <p:cNvPr id="169" name="Textfeld 168">
@@ -9396,8 +9396,8 @@
             <a:chExt cx="7284899" cy="1357927"/>
           </a:xfrm>
         </p:grpSpPr>
-        <mc:AlternateContent xmlns:mc="http://schemas.openxmlformats.org/markup-compatibility/2006">
-          <mc:Choice xmlns:a14="http://schemas.microsoft.com/office/drawing/2010/main" Requires="a14">
+        <mc:AlternateContent xmlns:mc="http://schemas.openxmlformats.org/markup-compatibility/2006" xmlns:a14="http://schemas.microsoft.com/office/drawing/2010/main">
+          <mc:Choice Requires="a14">
             <p:sp>
               <p:nvSpPr>
                 <p:cNvPr id="183" name="Textfeld 182">
@@ -9466,7 +9466,7 @@
               </p:txBody>
             </p:sp>
           </mc:Choice>
-          <mc:Fallback>
+          <mc:Fallback xmlns="">
             <p:sp>
               <p:nvSpPr>
                 <p:cNvPr id="183" name="Textfeld 182">
@@ -9511,8 +9511,8 @@
             </p:sp>
           </mc:Fallback>
         </mc:AlternateContent>
-        <mc:AlternateContent xmlns:mc="http://schemas.openxmlformats.org/markup-compatibility/2006">
-          <mc:Choice xmlns:a14="http://schemas.microsoft.com/office/drawing/2010/main" Requires="a14">
+        <mc:AlternateContent xmlns:mc="http://schemas.openxmlformats.org/markup-compatibility/2006" xmlns:a14="http://schemas.microsoft.com/office/drawing/2010/main">
+          <mc:Choice Requires="a14">
             <p:sp>
               <p:nvSpPr>
                 <p:cNvPr id="184" name="Textfeld 183">
@@ -9566,7 +9566,7 @@
               </p:txBody>
             </p:sp>
           </mc:Choice>
-          <mc:Fallback>
+          <mc:Fallback xmlns="">
             <p:sp>
               <p:nvSpPr>
                 <p:cNvPr id="184" name="Textfeld 183">
@@ -9628,7 +9628,7 @@
               <p:spPr>
                 <a:xfrm>
                   <a:off x="7013238" y="738074"/>
-                  <a:ext cx="595804" cy="276999"/>
+                  <a:ext cx="560730" cy="276999"/>
                 </a:xfrm>
                 <a:prstGeom prst="rect">
                   <a:avLst/>
@@ -9649,10 +9649,10 @@
                       </m:oMathParaPr>
                       <m:oMath xmlns:m="http://schemas.openxmlformats.org/officeDocument/2006/math">
                         <m:r>
-                          <a:rPr lang="de-DE" i="1">
+                          <a:rPr lang="de-DE" b="0" i="1" smtClean="0">
                             <a:latin typeface="Cambria Math" panose="02040503050406030204" pitchFamily="18" charset="0"/>
                           </a:rPr>
-                          <m:t>𝑋</m:t>
+                          <m:t>𝜉</m:t>
                         </m:r>
                         <m:r>
                           <a:rPr lang="de-DE" i="1">
@@ -9702,7 +9702,7 @@
               <p:spPr>
                 <a:xfrm>
                   <a:off x="7013238" y="738074"/>
-                  <a:ext cx="595804" cy="276999"/>
+                  <a:ext cx="560730" cy="276999"/>
                 </a:xfrm>
                 <a:prstGeom prst="rect">
                   <a:avLst/>
@@ -9710,7 +9710,7 @@
                 <a:blipFill>
                   <a:blip r:embed="rId22"/>
                   <a:stretch>
-                    <a:fillRect l="-7216" t="-6667" r="-13402" b="-31111"/>
+                    <a:fillRect l="-11957" t="-6667" r="-13043" b="-31111"/>
                   </a:stretch>
                 </a:blipFill>
               </p:spPr>
@@ -10524,7 +10524,7 @@
                 <p:spPr>
                   <a:xfrm>
                     <a:off x="5015687" y="1229268"/>
-                    <a:ext cx="441018" cy="400110"/>
+                    <a:ext cx="403059" cy="400110"/>
                   </a:xfrm>
                   <a:prstGeom prst="rect">
                     <a:avLst/>
@@ -10545,10 +10545,10 @@
                         </m:oMathParaPr>
                         <m:oMath xmlns:m="http://schemas.openxmlformats.org/officeDocument/2006/math">
                           <m:r>
-                            <a:rPr lang="de-DE" sz="2000" i="1" dirty="0">
+                            <a:rPr lang="de-DE" sz="2000" b="0" i="1" dirty="0" smtClean="0">
                               <a:latin typeface="Cambria Math" panose="02040503050406030204" pitchFamily="18" charset="0"/>
                             </a:rPr>
-                            <m:t>𝑋</m:t>
+                            <m:t>𝜉</m:t>
                           </m:r>
                         </m:oMath>
                       </m:oMathPara>
@@ -10580,7 +10580,7 @@
                 <p:spPr>
                   <a:xfrm>
                     <a:off x="5015687" y="1229268"/>
-                    <a:ext cx="441018" cy="400110"/>
+                    <a:ext cx="403059" cy="400110"/>
                   </a:xfrm>
                   <a:prstGeom prst="rect">
                     <a:avLst/>
@@ -10588,7 +10588,7 @@
                   <a:blipFill>
                     <a:blip r:embed="rId23"/>
                     <a:stretch>
-                      <a:fillRect/>
+                      <a:fillRect b="-10606"/>
                     </a:stretch>
                   </a:blipFill>
                 </p:spPr>
@@ -10651,8 +10651,8 @@
               </a:fontRef>
             </p:style>
           </p:cxnSp>
-          <mc:AlternateContent xmlns:mc="http://schemas.openxmlformats.org/markup-compatibility/2006">
-            <mc:Choice xmlns:a14="http://schemas.microsoft.com/office/drawing/2010/main" Requires="a14">
+          <mc:AlternateContent xmlns:mc="http://schemas.openxmlformats.org/markup-compatibility/2006" xmlns:a14="http://schemas.microsoft.com/office/drawing/2010/main">
+            <mc:Choice Requires="a14">
               <p:sp>
                 <p:nvSpPr>
                   <p:cNvPr id="194" name="Textfeld 193">
@@ -10724,7 +10724,7 @@
                 </p:txBody>
               </p:sp>
             </mc:Choice>
-            <mc:Fallback>
+            <mc:Fallback xmlns="">
               <p:sp>
                 <p:nvSpPr>
                   <p:cNvPr id="194" name="Textfeld 193">
@@ -10769,8 +10769,8 @@
               </p:sp>
             </mc:Fallback>
           </mc:AlternateContent>
-          <mc:AlternateContent xmlns:mc="http://schemas.openxmlformats.org/markup-compatibility/2006">
-            <mc:Choice xmlns:a14="http://schemas.microsoft.com/office/drawing/2010/main" Requires="a14">
+          <mc:AlternateContent xmlns:mc="http://schemas.openxmlformats.org/markup-compatibility/2006" xmlns:a14="http://schemas.microsoft.com/office/drawing/2010/main">
+            <mc:Choice Requires="a14">
               <p:sp>
                 <p:nvSpPr>
                   <p:cNvPr id="195" name="Textfeld 194">
@@ -10824,7 +10824,7 @@
                 </p:txBody>
               </p:sp>
             </mc:Choice>
-            <mc:Fallback>
+            <mc:Fallback xmlns="">
               <p:sp>
                 <p:nvSpPr>
                   <p:cNvPr id="195" name="Textfeld 194">
